--- a/doc/Case Study Data Scientist Production Planning.pptx
+++ b/doc/Case Study Data Scientist Production Planning.pptx
@@ -9,8 +9,9 @@
     <p:sldId id="256" r:id="rId3"/>
     <p:sldId id="259" r:id="rId4"/>
     <p:sldId id="260" r:id="rId5"/>
-    <p:sldId id="258" r:id="rId6"/>
-    <p:sldId id="261" r:id="rId7"/>
+    <p:sldId id="262" r:id="rId6"/>
+    <p:sldId id="258" r:id="rId7"/>
+    <p:sldId id="261" r:id="rId8"/>
   </p:sldIdLst>
   <p:sldSz cx="12192000" cy="6858000"/>
   <p:notesSz cx="6858000" cy="9144000"/>
@@ -3954,7 +3955,7 @@
           <p:nvPr>
             <p:extLst>
               <p:ext uri="{D42A27DB-BD31-4B8C-83A1-F6EECF244321}">
-                <p14:modId xmlns:p14="http://schemas.microsoft.com/office/powerpoint/2010/main" val="1075351486"/>
+                <p14:modId xmlns:p14="http://schemas.microsoft.com/office/powerpoint/2010/main" val="2580047295"/>
               </p:ext>
             </p:extLst>
           </p:nvPr>
@@ -4538,7 +4539,7 @@
                         <a:buChar char="•"/>
                       </a:pPr>
                       <a:r>
-                        <a:rPr lang="en-US" sz="1400" b="0" i="0" u="none" strike="noStrike" dirty="0">
+                        <a:rPr lang="en-US" sz="1400" b="0" i="0" u="none" strike="noStrike" dirty="0" smtClean="0">
                           <a:solidFill>
                             <a:srgbClr val="000000"/>
                           </a:solidFill>
@@ -4547,6 +4548,13 @@
                         </a:rPr>
                         <a:t>Decision Tree</a:t>
                       </a:r>
+                      <a:endParaRPr lang="en-US" sz="1400" b="0" i="0" u="none" strike="noStrike" dirty="0">
+                        <a:solidFill>
+                          <a:srgbClr val="000000"/>
+                        </a:solidFill>
+                        <a:effectLst/>
+                        <a:latin typeface="Calibri" panose="020F0502020204030204" pitchFamily="34" charset="0"/>
+                      </a:endParaRPr>
                     </a:p>
                   </a:txBody>
                   <a:tcPr marL="5949" marR="5949" marT="5949" marB="0" anchor="ctr">
@@ -4893,8 +4901,8 @@
         </p:nvSpPr>
         <p:spPr bwMode="auto">
           <a:xfrm>
-            <a:off x="5878618" y="1025158"/>
-            <a:ext cx="3074882" cy="2308324"/>
+            <a:off x="5878618" y="948214"/>
+            <a:ext cx="3074882" cy="2462213"/>
           </a:xfrm>
           <a:prstGeom prst="rect">
             <a:avLst/>
@@ -5413,7 +5421,32 @@
               <a:rPr lang="en-US" altLang="en-US" sz="1000" dirty="0">
                 <a:latin typeface="Arial Unicode MS"/>
               </a:rPr>
-              <a:t>with 20% safety margin = 1276554</a:t>
+              <a:t>with 20% safety margin = </a:t>
+            </a:r>
+            <a:r>
+              <a:rPr lang="en-US" altLang="en-US" sz="1000" dirty="0" smtClean="0">
+                <a:latin typeface="Arial Unicode MS"/>
+              </a:rPr>
+              <a:t>1276554</a:t>
+            </a:r>
+            <a:endParaRPr lang="en-DE" altLang="en-US" sz="1000" dirty="0">
+              <a:latin typeface="Arial Unicode MS"/>
+            </a:endParaRPr>
+          </a:p>
+          <a:p>
+            <a:pPr eaLnBrk="0" fontAlgn="base" hangingPunct="0">
+              <a:spcBef>
+                <a:spcPct val="0"/>
+              </a:spcBef>
+              <a:spcAft>
+                <a:spcPct val="0"/>
+              </a:spcAft>
+            </a:pPr>
+            <a:r>
+              <a:rPr lang="en-US" altLang="en-US" sz="1000" dirty="0" smtClean="0">
+                <a:latin typeface="Arial Unicode MS"/>
+              </a:rPr>
+              <a:t>------------------------------------------------------------------</a:t>
             </a:r>
             <a:endParaRPr lang="en-DE" altLang="en-US" sz="1000" dirty="0">
               <a:latin typeface="Arial Unicode MS"/>
@@ -5436,6 +5469,12 @@
               <a:buChar char="-"/>
               <a:tabLst/>
             </a:pPr>
+            <a:r>
+              <a:rPr lang="en-DE" altLang="en-US" sz="1000" dirty="0" smtClean="0">
+                <a:latin typeface="Arial Unicode MS"/>
+              </a:rPr>
+              <a:t>ARIMA: 1277340</a:t>
+            </a:r>
             <a:endParaRPr lang="en-US" altLang="en-US" sz="1000" dirty="0">
               <a:latin typeface="Arial Unicode MS"/>
             </a:endParaRPr>
@@ -5491,6 +5530,157 @@
         </p:nvSpPr>
         <p:spPr/>
         <p:txBody>
+          <a:bodyPr>
+            <a:normAutofit/>
+          </a:bodyPr>
+          <a:lstStyle/>
+          <a:p>
+            <a:r>
+              <a:rPr lang="en-US" sz="3600" dirty="0" smtClean="0"/>
+              <a:t>Autoregressive Integrated Moving Average </a:t>
+            </a:r>
+            <a:r>
+              <a:rPr lang="en-DE" sz="3600" dirty="0" smtClean="0"/>
+              <a:t>- </a:t>
+            </a:r>
+            <a:r>
+              <a:rPr lang="en-DE" sz="3600" dirty="0" smtClean="0"/>
+              <a:t>ARIMA</a:t>
+            </a:r>
+            <a:endParaRPr lang="en-US" sz="3600" dirty="0"/>
+          </a:p>
+        </p:txBody>
+      </p:sp>
+      <p:pic>
+        <p:nvPicPr>
+          <p:cNvPr id="4" name="Picture 3"/>
+          <p:cNvPicPr>
+            <a:picLocks noChangeAspect="1"/>
+          </p:cNvPicPr>
+          <p:nvPr/>
+        </p:nvPicPr>
+        <p:blipFill>
+          <a:blip r:embed="rId2"/>
+          <a:stretch>
+            <a:fillRect/>
+          </a:stretch>
+        </p:blipFill>
+        <p:spPr>
+          <a:xfrm>
+            <a:off x="726757" y="1628231"/>
+            <a:ext cx="8043345" cy="5007702"/>
+          </a:xfrm>
+          <a:prstGeom prst="rect">
+            <a:avLst/>
+          </a:prstGeom>
+        </p:spPr>
+      </p:pic>
+      <p:sp>
+        <p:nvSpPr>
+          <p:cNvPr id="5" name="TextBox 4"/>
+          <p:cNvSpPr txBox="1"/>
+          <p:nvPr/>
+        </p:nvSpPr>
+        <p:spPr>
+          <a:xfrm>
+            <a:off x="9248501" y="2821577"/>
+            <a:ext cx="2508069" cy="1754326"/>
+          </a:xfrm>
+          <a:prstGeom prst="rect">
+            <a:avLst/>
+          </a:prstGeom>
+          <a:noFill/>
+        </p:spPr>
+        <p:txBody>
+          <a:bodyPr wrap="square" rtlCol="0">
+            <a:spAutoFit/>
+          </a:bodyPr>
+          <a:lstStyle/>
+          <a:p>
+            <a:r>
+              <a:rPr lang="en-DE" dirty="0" smtClean="0"/>
+              <a:t>Issues:</a:t>
+            </a:r>
+          </a:p>
+          <a:p>
+            <a:endParaRPr lang="en-DE" dirty="0"/>
+          </a:p>
+          <a:p>
+            <a:pPr marL="285750" indent="-285750">
+              <a:buFontTx/>
+              <a:buChar char="-"/>
+            </a:pPr>
+            <a:r>
+              <a:rPr lang="en-DE" dirty="0" smtClean="0"/>
+              <a:t>No data split, no RSME to compare</a:t>
+            </a:r>
+          </a:p>
+          <a:p>
+            <a:pPr marL="285750" indent="-285750">
+              <a:buFontTx/>
+              <a:buChar char="-"/>
+            </a:pPr>
+            <a:r>
+              <a:rPr lang="en-US" dirty="0" smtClean="0"/>
+              <a:t>D</a:t>
+            </a:r>
+            <a:r>
+              <a:rPr lang="en-DE" dirty="0" smtClean="0"/>
+              <a:t>ta point is not continues</a:t>
+            </a:r>
+            <a:endParaRPr lang="en-US" dirty="0"/>
+          </a:p>
+        </p:txBody>
+      </p:sp>
+    </p:spTree>
+    <p:extLst>
+      <p:ext uri="{BB962C8B-B14F-4D97-AF65-F5344CB8AC3E}">
+        <p14:creationId xmlns:p14="http://schemas.microsoft.com/office/powerpoint/2010/main" val="2476396851"/>
+      </p:ext>
+    </p:extLst>
+  </p:cSld>
+  <p:clrMapOvr>
+    <a:masterClrMapping/>
+  </p:clrMapOvr>
+  <p:timing>
+    <p:tnLst>
+      <p:par>
+        <p:cTn id="1" dur="indefinite" restart="never" nodeType="tmRoot"/>
+      </p:par>
+    </p:tnLst>
+  </p:timing>
+</p:sld>
+</file>
+
+<file path=ppt/slides/slide6.xml><?xml version="1.0" encoding="utf-8"?>
+<p:sld xmlns:a="http://schemas.openxmlformats.org/drawingml/2006/main" xmlns:r="http://schemas.openxmlformats.org/officeDocument/2006/relationships" xmlns:p="http://schemas.openxmlformats.org/presentationml/2006/main">
+  <p:cSld>
+    <p:spTree>
+      <p:nvGrpSpPr>
+        <p:cNvPr id="1" name=""/>
+        <p:cNvGrpSpPr/>
+        <p:nvPr/>
+      </p:nvGrpSpPr>
+      <p:grpSpPr>
+        <a:xfrm>
+          <a:off x="0" y="0"/>
+          <a:ext cx="0" cy="0"/>
+          <a:chOff x="0" y="0"/>
+          <a:chExt cx="0" cy="0"/>
+        </a:xfrm>
+      </p:grpSpPr>
+      <p:sp>
+        <p:nvSpPr>
+          <p:cNvPr id="2" name="Title 1"/>
+          <p:cNvSpPr>
+            <a:spLocks noGrp="1"/>
+          </p:cNvSpPr>
+          <p:nvPr>
+            <p:ph type="title"/>
+          </p:nvPr>
+        </p:nvSpPr>
+        <p:spPr/>
+        <p:txBody>
           <a:bodyPr/>
           <a:lstStyle/>
           <a:p>
@@ -5741,7 +5931,7 @@
 </p:sld>
 </file>
 
-<file path=ppt/slides/slide6.xml><?xml version="1.0" encoding="utf-8"?>
+<file path=ppt/slides/slide7.xml><?xml version="1.0" encoding="utf-8"?>
 <p:sld xmlns:a="http://schemas.openxmlformats.org/drawingml/2006/main" xmlns:r="http://schemas.openxmlformats.org/officeDocument/2006/relationships" xmlns:p="http://schemas.openxmlformats.org/presentationml/2006/main">
   <p:cSld>
     <p:spTree>
@@ -6079,6 +6269,57 @@
             <a:r>
               <a:rPr lang="en-US" dirty="0" smtClean="0"/>
               <a:t>Suggest further selection of data for better prediction (e.g. material type).</a:t>
+            </a:r>
+            <a:endParaRPr lang="en-US" dirty="0"/>
+          </a:p>
+        </p:txBody>
+      </p:sp>
+      <p:sp>
+        <p:nvSpPr>
+          <p:cNvPr id="13" name="TextBox 12"/>
+          <p:cNvSpPr txBox="1"/>
+          <p:nvPr/>
+        </p:nvSpPr>
+        <p:spPr>
+          <a:xfrm flipH="1">
+            <a:off x="1078106" y="4719484"/>
+            <a:ext cx="6605804" cy="1200329"/>
+          </a:xfrm>
+          <a:prstGeom prst="rect">
+            <a:avLst/>
+          </a:prstGeom>
+          <a:noFill/>
+        </p:spPr>
+        <p:txBody>
+          <a:bodyPr wrap="square" rtlCol="0">
+            <a:spAutoFit/>
+          </a:bodyPr>
+          <a:lstStyle/>
+          <a:p>
+            <a:r>
+              <a:rPr lang="en-DE" b="1" dirty="0" smtClean="0"/>
+              <a:t>Focus on Communication:</a:t>
+            </a:r>
+            <a:endParaRPr lang="en-DE" b="1" dirty="0"/>
+          </a:p>
+          <a:p>
+            <a:pPr marL="285750" indent="-285750">
+              <a:buFontTx/>
+              <a:buChar char="-"/>
+            </a:pPr>
+            <a:r>
+              <a:rPr lang="en-DE" dirty="0" smtClean="0"/>
+              <a:t>Exploration accasibility &gt; colbaorative development</a:t>
+            </a:r>
+          </a:p>
+          <a:p>
+            <a:pPr marL="285750" indent="-285750">
+              <a:buFontTx/>
+              <a:buChar char="-"/>
+            </a:pPr>
+            <a:r>
+              <a:rPr lang="en-DE" dirty="0" smtClean="0"/>
+              <a:t>Simplifying the DS concept &gt; extend brain strorming of problem solving</a:t>
             </a:r>
             <a:endParaRPr lang="en-US" dirty="0"/>
           </a:p>
